--- a/Project/Group_1_EDA_Presentation.pptx
+++ b/Project/Group_1_EDA_Presentation.pptx
@@ -410,7 +410,7 @@
           <a:p>
             <a:fld id="{056371FA-A98D-41E8-93F4-09945841298A}" type="datetimeFigureOut">
               <a:rPr lang="en-US" smtClean="0"/>
-              <a:t>7/19/2024</a:t>
+              <a:t>7/20/2024</a:t>
             </a:fld>
             <a:endParaRPr lang="en-US" dirty="0"/>
           </a:p>
@@ -8297,10 +8297,10 @@
       </p:sp>
       <p:pic>
         <p:nvPicPr>
-          <p:cNvPr id="11" name="Picture 10">
-            <a:extLst>
-              <a:ext uri="{FF2B5EF4-FFF2-40B4-BE49-F238E27FC236}">
-                <a16:creationId xmlns:a16="http://schemas.microsoft.com/office/drawing/2014/main" id="{E9399E4F-F017-417D-AB88-44EB7632FF36}"/>
+          <p:cNvPr id="3" name="Picture 2">
+            <a:extLst>
+              <a:ext uri="{FF2B5EF4-FFF2-40B4-BE49-F238E27FC236}">
+                <a16:creationId xmlns:a16="http://schemas.microsoft.com/office/drawing/2014/main" id="{36483F8E-FD02-415B-814C-3C36011A0064}"/>
               </a:ext>
             </a:extLst>
           </p:cNvPr>
@@ -8317,8 +8317,8 @@
         </p:blipFill>
         <p:spPr>
           <a:xfrm>
-            <a:off x="4077591" y="992036"/>
-            <a:ext cx="7965172" cy="4937760"/>
+            <a:off x="4317472" y="1110041"/>
+            <a:ext cx="7577334" cy="4637918"/>
           </a:xfrm>
           <a:prstGeom prst="rect">
             <a:avLst/>
@@ -8483,10 +8483,10 @@
       </p:sp>
       <p:pic>
         <p:nvPicPr>
-          <p:cNvPr id="9" name="Picture 8">
-            <a:extLst>
-              <a:ext uri="{FF2B5EF4-FFF2-40B4-BE49-F238E27FC236}">
-                <a16:creationId xmlns:a16="http://schemas.microsoft.com/office/drawing/2014/main" id="{ECADFD5E-8E7D-4FD4-9EBE-DCCFB7738B75}"/>
+          <p:cNvPr id="3" name="Picture 2">
+            <a:extLst>
+              <a:ext uri="{FF2B5EF4-FFF2-40B4-BE49-F238E27FC236}">
+                <a16:creationId xmlns:a16="http://schemas.microsoft.com/office/drawing/2014/main" id="{07EBCF18-3E9C-4D3A-925B-E3B093F9FB6D}"/>
               </a:ext>
             </a:extLst>
           </p:cNvPr>
@@ -8503,8 +8503,8 @@
         </p:blipFill>
         <p:spPr>
           <a:xfrm>
-            <a:off x="470035" y="1002125"/>
-            <a:ext cx="7996405" cy="4937760"/>
+            <a:off x="805913" y="964362"/>
+            <a:ext cx="7790852" cy="4789458"/>
           </a:xfrm>
           <a:prstGeom prst="rect">
             <a:avLst/>
@@ -11303,6 +11303,15 @@
 </file>
 
 <file path=customXml/item2.xml><?xml version="1.0" encoding="utf-8"?>
+<?mso-contentType ?>
+<FormTemplates xmlns="http://schemas.microsoft.com/sharepoint/v3/contenttype/forms">
+  <Display>DocumentLibraryForm</Display>
+  <Edit>DocumentLibraryForm</Edit>
+  <New>DocumentLibraryForm</New>
+</FormTemplates>
+</file>
+
+<file path=customXml/item3.xml><?xml version="1.0" encoding="utf-8"?>
 <p:properties xmlns:p="http://schemas.microsoft.com/office/2006/metadata/properties" xmlns:xsi="http://www.w3.org/2001/XMLSchema-instance" xmlns:pc="http://schemas.microsoft.com/office/infopath/2007/PartnerControls">
   <documentManagement>
     <_ip_UnifiedCompliancePolicyUIAction xmlns="http://schemas.microsoft.com/sharepoint/v3" xsi:nil="true"/>
@@ -11320,15 +11329,6 @@
     <MediaServiceKeyPoints xmlns="71af3243-3dd4-4a8d-8c0d-dd76da1f02a5" xsi:nil="true"/>
   </documentManagement>
 </p:properties>
-</file>
-
-<file path=customXml/item3.xml><?xml version="1.0" encoding="utf-8"?>
-<?mso-contentType ?>
-<FormTemplates xmlns="http://schemas.microsoft.com/sharepoint/v3/contenttype/forms">
-  <Display>DocumentLibraryForm</Display>
-  <Edit>DocumentLibraryForm</Edit>
-  <New>DocumentLibraryForm</New>
-</FormTemplates>
 </file>
 
 <file path=customXml/itemProps1.xml><?xml version="1.0" encoding="utf-8"?>
@@ -11353,6 +11353,14 @@
 </file>
 
 <file path=customXml/itemProps2.xml><?xml version="1.0" encoding="utf-8"?>
+<ds:datastoreItem xmlns:ds="http://schemas.openxmlformats.org/officeDocument/2006/customXml" ds:itemID="{CABF691C-888B-4061-8A6F-D5CE84A0254B}">
+  <ds:schemaRefs>
+    <ds:schemaRef ds:uri="http://schemas.microsoft.com/sharepoint/v3/contenttype/forms"/>
+  </ds:schemaRefs>
+</ds:datastoreItem>
+</file>
+
+<file path=customXml/itemProps3.xml><?xml version="1.0" encoding="utf-8"?>
 <ds:datastoreItem xmlns:ds="http://schemas.openxmlformats.org/officeDocument/2006/customXml" ds:itemID="{49168DCE-134F-4610-A6AA-88CEBE8D71D2}">
   <ds:schemaRefs>
     <ds:schemaRef ds:uri="http://schemas.microsoft.com/office/2006/metadata/properties"/>
@@ -11364,14 +11372,6 @@
 </ds:datastoreItem>
 </file>
 
-<file path=customXml/itemProps3.xml><?xml version="1.0" encoding="utf-8"?>
-<ds:datastoreItem xmlns:ds="http://schemas.openxmlformats.org/officeDocument/2006/customXml" ds:itemID="{CABF691C-888B-4061-8A6F-D5CE84A0254B}">
-  <ds:schemaRefs>
-    <ds:schemaRef ds:uri="http://schemas.microsoft.com/sharepoint/v3/contenttype/forms"/>
-  </ds:schemaRefs>
-</ds:datastoreItem>
-</file>
-
 <file path=docMetadata/LabelInfo.xml><?xml version="1.0" encoding="utf-8"?>
 <clbl:labelList xmlns:clbl="http://schemas.microsoft.com/office/2020/mipLabelMetadata"/>
 </file>
--- a/Project/Group_1_EDA_Presentation.pptx
+++ b/Project/Group_1_EDA_Presentation.pptx
@@ -233,7 +233,7 @@
           <a:p>
             <a:fld id="{B56F32FC-4BD9-442A-A8C6-51598C909FE3}" type="datetimeFigureOut">
               <a:rPr lang="en-US" smtClean="0"/>
-              <a:t>7/20/2024</a:t>
+              <a:t>7/22/2024</a:t>
             </a:fld>
             <a:endParaRPr lang="en-US" dirty="0"/>
           </a:p>
@@ -410,7 +410,7 @@
           <a:p>
             <a:fld id="{056371FA-A98D-41E8-93F4-09945841298A}" type="datetimeFigureOut">
               <a:rPr lang="en-US" smtClean="0"/>
-              <a:t>7/20/2024</a:t>
+              <a:t>7/22/2024</a:t>
             </a:fld>
             <a:endParaRPr lang="en-US" dirty="0"/>
           </a:p>
@@ -7326,7 +7326,7 @@
           <a:p>
             <a:r>
               <a:rPr lang="en-US" dirty="0"/>
-              <a:t>AI Bootcamp Project 1: Name of Project</a:t>
+              <a:t>AI Bootcamp Project 1</a:t>
             </a:r>
             <a:br>
               <a:rPr lang="en-US" dirty="0"/>
@@ -9389,7 +9389,7 @@
         </p:spPr>
         <p:txBody>
           <a:bodyPr>
-            <a:normAutofit/>
+            <a:normAutofit lnSpcReduction="10000"/>
           </a:bodyPr>
           <a:lstStyle/>
           <a:p>
@@ -9411,6 +9411,20 @@
               <a:rPr lang="en-US" dirty="0"/>
               <a:t>This choice led is to conclude that greenhouse gas emissions without land use or forestry had weak or negative correlations to global temperature changes</a:t>
             </a:r>
+          </a:p>
+          <a:p>
+            <a:pPr lvl="1"/>
+            <a:r>
+              <a:rPr lang="en-US" dirty="0"/>
+              <a:t>Land use includes economic and cultural activities like agriculture, residential, industrial, mining, and recreation: </a:t>
+            </a:r>
+            <a:r>
+              <a:rPr lang="en-US" dirty="0">
+                <a:hlinkClick r:id="rId3"/>
+              </a:rPr>
+              <a:t>Source</a:t>
+            </a:r>
+            <a:endParaRPr lang="en-US" dirty="0"/>
           </a:p>
         </p:txBody>
       </p:sp>
@@ -11303,15 +11317,6 @@
 </file>
 
 <file path=customXml/item2.xml><?xml version="1.0" encoding="utf-8"?>
-<?mso-contentType ?>
-<FormTemplates xmlns="http://schemas.microsoft.com/sharepoint/v3/contenttype/forms">
-  <Display>DocumentLibraryForm</Display>
-  <Edit>DocumentLibraryForm</Edit>
-  <New>DocumentLibraryForm</New>
-</FormTemplates>
-</file>
-
-<file path=customXml/item3.xml><?xml version="1.0" encoding="utf-8"?>
 <p:properties xmlns:p="http://schemas.microsoft.com/office/2006/metadata/properties" xmlns:xsi="http://www.w3.org/2001/XMLSchema-instance" xmlns:pc="http://schemas.microsoft.com/office/infopath/2007/PartnerControls">
   <documentManagement>
     <_ip_UnifiedCompliancePolicyUIAction xmlns="http://schemas.microsoft.com/sharepoint/v3" xsi:nil="true"/>
@@ -11329,6 +11334,15 @@
     <MediaServiceKeyPoints xmlns="71af3243-3dd4-4a8d-8c0d-dd76da1f02a5" xsi:nil="true"/>
   </documentManagement>
 </p:properties>
+</file>
+
+<file path=customXml/item3.xml><?xml version="1.0" encoding="utf-8"?>
+<?mso-contentType ?>
+<FormTemplates xmlns="http://schemas.microsoft.com/sharepoint/v3/contenttype/forms">
+  <Display>DocumentLibraryForm</Display>
+  <Edit>DocumentLibraryForm</Edit>
+  <New>DocumentLibraryForm</New>
+</FormTemplates>
 </file>
 
 <file path=customXml/itemProps1.xml><?xml version="1.0" encoding="utf-8"?>
@@ -11353,14 +11367,6 @@
 </file>
 
 <file path=customXml/itemProps2.xml><?xml version="1.0" encoding="utf-8"?>
-<ds:datastoreItem xmlns:ds="http://schemas.openxmlformats.org/officeDocument/2006/customXml" ds:itemID="{CABF691C-888B-4061-8A6F-D5CE84A0254B}">
-  <ds:schemaRefs>
-    <ds:schemaRef ds:uri="http://schemas.microsoft.com/sharepoint/v3/contenttype/forms"/>
-  </ds:schemaRefs>
-</ds:datastoreItem>
-</file>
-
-<file path=customXml/itemProps3.xml><?xml version="1.0" encoding="utf-8"?>
 <ds:datastoreItem xmlns:ds="http://schemas.openxmlformats.org/officeDocument/2006/customXml" ds:itemID="{49168DCE-134F-4610-A6AA-88CEBE8D71D2}">
   <ds:schemaRefs>
     <ds:schemaRef ds:uri="http://schemas.microsoft.com/office/2006/metadata/properties"/>
@@ -11372,6 +11378,14 @@
 </ds:datastoreItem>
 </file>
 
+<file path=customXml/itemProps3.xml><?xml version="1.0" encoding="utf-8"?>
+<ds:datastoreItem xmlns:ds="http://schemas.openxmlformats.org/officeDocument/2006/customXml" ds:itemID="{CABF691C-888B-4061-8A6F-D5CE84A0254B}">
+  <ds:schemaRefs>
+    <ds:schemaRef ds:uri="http://schemas.microsoft.com/sharepoint/v3/contenttype/forms"/>
+  </ds:schemaRefs>
+</ds:datastoreItem>
+</file>
+
 <file path=docMetadata/LabelInfo.xml><?xml version="1.0" encoding="utf-8"?>
 <clbl:labelList xmlns:clbl="http://schemas.microsoft.com/office/2020/mipLabelMetadata"/>
 </file>